--- a/Presentación Web.pptx
+++ b/Presentación Web.pptx
@@ -120,6 +120,11 @@
       </a:defRPr>
     </a:lvl9pPr>
   </p:defaultTextStyle>
+  <p:extLst>
+    <p:ext uri="{EFAFB233-063F-42B5-8137-9DF3F51BA10A}">
+      <p15:sldGuideLst xmlns:p15="http://schemas.microsoft.com/office/powerpoint/2012/main"/>
+    </p:ext>
+  </p:extLst>
 </p:presentation>
 </file>
 
@@ -7662,18 +7667,8 @@
               <a:rPr lang="es-ES" sz="6700" dirty="0"/>
             </a:br>
             <a:r>
-              <a:rPr lang="es-ES" sz="4900" dirty="0">
-                <a:latin typeface="Arial" panose="020B0604020202020204" pitchFamily="34" charset="0"/>
-                <a:cs typeface="Arial" panose="020B0604020202020204" pitchFamily="34" charset="0"/>
-              </a:rPr>
-              <a:t>Arquitectura y Diseño de sistemas Web y C/S</a:t>
-            </a:r>
-            <a:r>
-              <a:rPr lang="es-ES" sz="4000" dirty="0">
-                <a:latin typeface="Arial" panose="020B0604020202020204" pitchFamily="34" charset="0"/>
-                <a:cs typeface="Arial" panose="020B0604020202020204" pitchFamily="34" charset="0"/>
-              </a:rPr>
-              <a:t> </a:t>
+              <a:rPr lang="es-ES" sz="4800" dirty="0"/>
+              <a:t>Ingenieros al peso S.A</a:t>
             </a:r>
             <a:br>
               <a:rPr lang="es-ES" sz="4000" dirty="0">
@@ -7905,8 +7900,23 @@
                 <a:latin typeface="Arial" panose="020B0604020202020204" pitchFamily="34" charset="0"/>
                 <a:cs typeface="Arial" panose="020B0604020202020204" pitchFamily="34" charset="0"/>
               </a:rPr>
-              <a:t>Se nos redirigirá a un formulario en el que rellenar los datos del nuevo empleado de forma manual. </a:t>
-            </a:r>
+              <a:t>Vemos un formulario en el que rellenar los datos del nuevo empleado de forma manual. </a:t>
+            </a:r>
+          </a:p>
+          <a:p>
+            <a:endParaRPr lang="es-ES" sz="2400" dirty="0">
+              <a:latin typeface="Arial" panose="020B0604020202020204" pitchFamily="34" charset="0"/>
+              <a:cs typeface="Arial" panose="020B0604020202020204" pitchFamily="34" charset="0"/>
+            </a:endParaRPr>
+          </a:p>
+          <a:p>
+            <a:pPr marL="0" indent="0">
+              <a:buNone/>
+            </a:pPr>
+            <a:endParaRPr lang="es-ES" sz="2400" dirty="0">
+              <a:latin typeface="Arial" panose="020B0604020202020204" pitchFamily="34" charset="0"/>
+              <a:cs typeface="Arial" panose="020B0604020202020204" pitchFamily="34" charset="0"/>
+            </a:endParaRPr>
           </a:p>
           <a:p>
             <a:r>
@@ -7914,7 +7924,7 @@
                 <a:latin typeface="Arial" panose="020B0604020202020204" pitchFamily="34" charset="0"/>
                 <a:cs typeface="Arial" panose="020B0604020202020204" pitchFamily="34" charset="0"/>
               </a:rPr>
-              <a:t>Este formulario incluye un listado de empresas existentes en el que se debe elegir la empresa para la que va a trabajar este nuevo empleado.</a:t>
+              <a:t>Incluye un listado de empresas existentes en el que se debe elegir la empresa para la que va a trabajar este nuevo empleado.</a:t>
             </a:r>
           </a:p>
         </p:txBody>
@@ -8029,7 +8039,7 @@
         <p:spPr>
           <a:xfrm>
             <a:off x="2407920" y="1749425"/>
-            <a:ext cx="6560820" cy="4351338"/>
+            <a:ext cx="8413960" cy="4351338"/>
           </a:xfrm>
         </p:spPr>
         <p:txBody>
@@ -8070,8 +8080,8 @@
         </p:blipFill>
         <p:spPr>
           <a:xfrm>
-            <a:off x="7048768" y="3652641"/>
-            <a:ext cx="4262437" cy="1467046"/>
+            <a:off x="6010081" y="3277809"/>
+            <a:ext cx="4867196" cy="1675192"/>
           </a:xfrm>
           <a:prstGeom prst="rect">
             <a:avLst/>
@@ -8172,8 +8182,17 @@
                 <a:latin typeface="Arial" panose="020B0604020202020204" pitchFamily="34" charset="0"/>
                 <a:cs typeface="Arial" panose="020B0604020202020204" pitchFamily="34" charset="0"/>
               </a:rPr>
-              <a:t>En ‘Peticiones’ en la barra de navegación se nos muestra una página con todas las solicitudes pendientes. </a:t>
-            </a:r>
+              <a:t>En “Peticiones” en la barra de navegación se nos muestra una página con todas las solicitudes pendientes. </a:t>
+            </a:r>
+          </a:p>
+          <a:p>
+            <a:pPr marL="0" indent="0">
+              <a:buNone/>
+            </a:pPr>
+            <a:endParaRPr lang="es-ES" sz="2400" dirty="0">
+              <a:latin typeface="Arial" panose="020B0604020202020204" pitchFamily="34" charset="0"/>
+              <a:cs typeface="Arial" panose="020B0604020202020204" pitchFamily="34" charset="0"/>
+            </a:endParaRPr>
           </a:p>
           <a:p>
             <a:r>
@@ -8295,8 +8314,8 @@
         </p:nvSpPr>
         <p:spPr>
           <a:xfrm>
-            <a:off x="838200" y="1825625"/>
-            <a:ext cx="5326380" cy="4351338"/>
+            <a:off x="1015754" y="2433113"/>
+            <a:ext cx="5326380" cy="1991773"/>
           </a:xfrm>
         </p:spPr>
         <p:txBody>
@@ -8318,15 +8337,6 @@
               <a:latin typeface="Arial" panose="020B0604020202020204" pitchFamily="34" charset="0"/>
               <a:cs typeface="Arial" panose="020B0604020202020204" pitchFamily="34" charset="0"/>
             </a:endParaRPr>
-          </a:p>
-          <a:p>
-            <a:r>
-              <a:rPr lang="es-ES" sz="2400" dirty="0">
-                <a:latin typeface="Arial" panose="020B0604020202020204" pitchFamily="34" charset="0"/>
-                <a:cs typeface="Arial" panose="020B0604020202020204" pitchFamily="34" charset="0"/>
-              </a:rPr>
-              <a:t>Por ejemplo si pulsamos empresa sale esto:</a:t>
-            </a:r>
           </a:p>
         </p:txBody>
       </p:sp>
@@ -8360,6 +8370,43 @@
           </a:prstGeom>
         </p:spPr>
       </p:pic>
+      <p:sp>
+        <p:nvSpPr>
+          <p:cNvPr id="5" name="Rectángulo 4">
+            <a:extLst>
+              <a:ext uri="{FF2B5EF4-FFF2-40B4-BE49-F238E27FC236}">
+                <a16:creationId xmlns:a16="http://schemas.microsoft.com/office/drawing/2014/main" id="{6ED31A63-9ED0-4E3F-9E92-990B734285A1}"/>
+              </a:ext>
+            </a:extLst>
+          </p:cNvPr>
+          <p:cNvSpPr/>
+          <p:nvPr/>
+        </p:nvSpPr>
+        <p:spPr>
+          <a:xfrm>
+            <a:off x="6642254" y="1535668"/>
+            <a:ext cx="4711546" cy="369332"/>
+          </a:xfrm>
+          <a:prstGeom prst="rect">
+            <a:avLst/>
+          </a:prstGeom>
+        </p:spPr>
+        <p:txBody>
+          <a:bodyPr wrap="none">
+            <a:spAutoFit/>
+          </a:bodyPr>
+          <a:lstStyle/>
+          <a:p>
+            <a:r>
+              <a:rPr lang="es-ES" dirty="0">
+                <a:latin typeface="Arial" panose="020B0604020202020204" pitchFamily="34" charset="0"/>
+                <a:cs typeface="Arial" panose="020B0604020202020204" pitchFamily="34" charset="0"/>
+              </a:rPr>
+              <a:t>Por ejemplo si pulsamos empresa sale esto:</a:t>
+            </a:r>
+          </a:p>
+        </p:txBody>
+      </p:sp>
     </p:spTree>
     <p:extLst>
       <p:ext uri="{BB962C8B-B14F-4D97-AF65-F5344CB8AC3E}">
@@ -8441,8 +8488,8 @@
         </p:nvSpPr>
         <p:spPr>
           <a:xfrm>
-            <a:off x="2592925" y="1764665"/>
-            <a:ext cx="5120640" cy="4351338"/>
+            <a:off x="2127039" y="1638750"/>
+            <a:ext cx="8636298" cy="4351338"/>
           </a:xfrm>
         </p:spPr>
         <p:txBody>
@@ -8457,24 +8504,6 @@
                 <a:cs typeface="Arial" panose="020B0604020202020204" pitchFamily="34" charset="0"/>
               </a:rPr>
               <a:t>Para acceder es necesario iniciar sesión con credenciales correspondientes a un empleado de este departamento.</a:t>
-            </a:r>
-          </a:p>
-          <a:p>
-            <a:r>
-              <a:rPr lang="es-ES" sz="2400" dirty="0">
-                <a:latin typeface="Arial" panose="020B0604020202020204" pitchFamily="34" charset="0"/>
-                <a:cs typeface="Arial" panose="020B0604020202020204" pitchFamily="34" charset="0"/>
-              </a:rPr>
-              <a:t>Usuario: guillermoplata@correo.com </a:t>
-            </a:r>
-          </a:p>
-          <a:p>
-            <a:r>
-              <a:rPr lang="es-ES" sz="2400" dirty="0">
-                <a:latin typeface="Arial" panose="020B0604020202020204" pitchFamily="34" charset="0"/>
-                <a:cs typeface="Arial" panose="020B0604020202020204" pitchFamily="34" charset="0"/>
-              </a:rPr>
-              <a:t>Contraseña: 1234</a:t>
             </a:r>
           </a:p>
         </p:txBody>
@@ -8501,8 +8530,8 @@
         </p:blipFill>
         <p:spPr>
           <a:xfrm>
-            <a:off x="7148580" y="2872741"/>
-            <a:ext cx="4601460" cy="2984182"/>
+            <a:off x="3906174" y="2805053"/>
+            <a:ext cx="5287096" cy="3428837"/>
           </a:xfrm>
           <a:prstGeom prst="rect">
             <a:avLst/>
@@ -8580,7 +8609,7 @@
               <a:buNone/>
             </a:pPr>
             <a:r>
-              <a:rPr lang="es-ES" sz="1600" dirty="0">
+              <a:rPr lang="es-ES" sz="2200" dirty="0">
                 <a:latin typeface="Arial" panose="020B0604020202020204" pitchFamily="34" charset="0"/>
                 <a:cs typeface="Arial" panose="020B0604020202020204" pitchFamily="34" charset="0"/>
               </a:rPr>
@@ -8651,7 +8680,7 @@
         </p:blipFill>
         <p:spPr>
           <a:xfrm>
-            <a:off x="6815137" y="304800"/>
+            <a:off x="7066597" y="531703"/>
             <a:ext cx="4276725" cy="1752600"/>
           </a:xfrm>
           <a:prstGeom prst="rect">
@@ -8817,14 +8846,14 @@
           <a:p>
             <a:r>
               <a:rPr lang="es-ES" dirty="0"/>
-              <a:t>P</a:t>
+              <a:t>El </a:t>
             </a:r>
             <a:r>
               <a:rPr lang="es-ES" sz="2000" dirty="0">
                 <a:latin typeface="Arial" panose="020B0604020202020204" pitchFamily="34" charset="0"/>
                 <a:cs typeface="Arial" panose="020B0604020202020204" pitchFamily="34" charset="0"/>
               </a:rPr>
-              <a:t>ara solicitar días libres el usuario accede desde “Solicitar día libre” en la barra de navegación de la parte superior.</a:t>
+              <a:t>usuario accede desde “Solicitar día libre” en la barra de navegación de la parte superior.</a:t>
             </a:r>
           </a:p>
           <a:p>
@@ -8858,16 +8887,15 @@
           </p:cNvPicPr>
           <p:nvPr/>
         </p:nvPicPr>
-        <p:blipFill>
+        <p:blipFill rotWithShape="1">
           <a:blip r:embed="rId2"/>
-          <a:stretch>
-            <a:fillRect/>
-          </a:stretch>
+          <a:srcRect t="17842"/>
+          <a:stretch/>
         </p:blipFill>
         <p:spPr>
           <a:xfrm>
-            <a:off x="7782417" y="1066555"/>
-            <a:ext cx="2535063" cy="2277696"/>
+            <a:off x="8258974" y="889962"/>
+            <a:ext cx="2535063" cy="1871326"/>
           </a:xfrm>
           <a:prstGeom prst="rect">
             <a:avLst/>
@@ -8896,8 +8924,8 @@
         </p:blipFill>
         <p:spPr>
           <a:xfrm>
-            <a:off x="8354107" y="3628391"/>
-            <a:ext cx="3426413" cy="2548572"/>
+            <a:off x="8258974" y="3262539"/>
+            <a:ext cx="2820210" cy="2097677"/>
           </a:xfrm>
           <a:prstGeom prst="rect">
             <a:avLst/>
@@ -8918,8 +8946,8 @@
         </p:nvSpPr>
         <p:spPr>
           <a:xfrm>
-            <a:off x="1409700" y="5113069"/>
-            <a:ext cx="6715617" cy="1569660"/>
+            <a:off x="2648934" y="5423491"/>
+            <a:ext cx="8911686" cy="830997"/>
           </a:xfrm>
           <a:prstGeom prst="rect">
             <a:avLst/>
@@ -8936,16 +8964,7 @@
                 <a:latin typeface="Arial" panose="020B0604020202020204" pitchFamily="34" charset="0"/>
                 <a:cs typeface="Arial" panose="020B0604020202020204" pitchFamily="34" charset="0"/>
               </a:rPr>
-              <a:t>Cuando se da a enviar se recibirá una alerta al iniciar sesión el</a:t>
-            </a:r>
-          </a:p>
-          <a:p>
-            <a:r>
-              <a:rPr lang="es-ES" sz="2400" dirty="0">
-                <a:latin typeface="Arial" panose="020B0604020202020204" pitchFamily="34" charset="0"/>
-                <a:cs typeface="Arial" panose="020B0604020202020204" pitchFamily="34" charset="0"/>
-              </a:rPr>
-              <a:t> sistema especificando si esta ha sido aprobada o denegada</a:t>
+              <a:t>Cuando se da a enviar se recibirá una alerta al iniciar sesión el sistema especificando si esta ha sido aprobada o denegada</a:t>
             </a:r>
             <a:r>
               <a:rPr lang="es-ES" dirty="0"/>
@@ -8954,6 +8973,94 @@
           </a:p>
         </p:txBody>
       </p:sp>
+      <p:cxnSp>
+        <p:nvCxnSpPr>
+          <p:cNvPr id="8" name="Conector recto de flecha 7">
+            <a:extLst>
+              <a:ext uri="{FF2B5EF4-FFF2-40B4-BE49-F238E27FC236}">
+                <a16:creationId xmlns:a16="http://schemas.microsoft.com/office/drawing/2014/main" id="{680AB42E-2D51-4DF4-98DE-5BBDF7D96803}"/>
+              </a:ext>
+            </a:extLst>
+          </p:cNvPr>
+          <p:cNvCxnSpPr>
+            <a:cxnSpLocks/>
+          </p:cNvCxnSpPr>
+          <p:nvPr/>
+        </p:nvCxnSpPr>
+        <p:spPr>
+          <a:xfrm flipV="1">
+            <a:off x="7048768" y="2405849"/>
+            <a:ext cx="1076549" cy="799723"/>
+          </a:xfrm>
+          <a:prstGeom prst="straightConnector1">
+            <a:avLst/>
+          </a:prstGeom>
+          <a:ln>
+            <a:solidFill>
+              <a:srgbClr val="FFFF00"/>
+            </a:solidFill>
+            <a:tailEnd type="triangle"/>
+          </a:ln>
+        </p:spPr>
+        <p:style>
+          <a:lnRef idx="1">
+            <a:schemeClr val="accent1"/>
+          </a:lnRef>
+          <a:fillRef idx="0">
+            <a:schemeClr val="accent1"/>
+          </a:fillRef>
+          <a:effectRef idx="0">
+            <a:schemeClr val="accent1"/>
+          </a:effectRef>
+          <a:fontRef idx="minor">
+            <a:schemeClr val="tx1"/>
+          </a:fontRef>
+        </p:style>
+      </p:cxnSp>
+      <p:cxnSp>
+        <p:nvCxnSpPr>
+          <p:cNvPr id="9" name="Conector recto de flecha 8">
+            <a:extLst>
+              <a:ext uri="{FF2B5EF4-FFF2-40B4-BE49-F238E27FC236}">
+                <a16:creationId xmlns:a16="http://schemas.microsoft.com/office/drawing/2014/main" id="{9290B0F2-2D0E-412C-A9E4-CFC58C7212A1}"/>
+              </a:ext>
+            </a:extLst>
+          </p:cNvPr>
+          <p:cNvCxnSpPr>
+            <a:cxnSpLocks/>
+          </p:cNvCxnSpPr>
+          <p:nvPr/>
+        </p:nvCxnSpPr>
+        <p:spPr>
+          <a:xfrm>
+            <a:off x="6507758" y="3652429"/>
+            <a:ext cx="1478702" cy="493443"/>
+          </a:xfrm>
+          <a:prstGeom prst="straightConnector1">
+            <a:avLst/>
+          </a:prstGeom>
+          <a:ln>
+            <a:solidFill>
+              <a:srgbClr val="FFFF00"/>
+            </a:solidFill>
+            <a:tailEnd type="triangle"/>
+          </a:ln>
+        </p:spPr>
+        <p:style>
+          <a:lnRef idx="1">
+            <a:schemeClr val="accent1"/>
+          </a:lnRef>
+          <a:fillRef idx="0">
+            <a:schemeClr val="accent1"/>
+          </a:fillRef>
+          <a:effectRef idx="0">
+            <a:schemeClr val="accent1"/>
+          </a:effectRef>
+          <a:fontRef idx="minor">
+            <a:schemeClr val="tx1"/>
+          </a:fontRef>
+        </p:style>
+      </p:cxnSp>
     </p:spTree>
     <p:extLst>
       <p:ext uri="{BB962C8B-B14F-4D97-AF65-F5344CB8AC3E}">
@@ -9191,17 +9298,17 @@
                 <a:latin typeface="Arial" panose="020B0604020202020204" pitchFamily="34" charset="0"/>
                 <a:cs typeface="Arial" panose="020B0604020202020204" pitchFamily="34" charset="0"/>
               </a:rPr>
-              <a:t>Este software ha sido desarrollado para la empresa “Ingenieros al peso S.A” con el objetivo de gestionar el personal y los costes derivados de este de una serie de empresas clientes. </a:t>
-            </a:r>
-          </a:p>
-          <a:p>
-            <a:r>
-              <a:rPr lang="es-ES" sz="2800" dirty="0">
-                <a:latin typeface="Arial" panose="020B0604020202020204" pitchFamily="34" charset="0"/>
-                <a:cs typeface="Arial" panose="020B0604020202020204" pitchFamily="34" charset="0"/>
-              </a:rPr>
-              <a:t>La aplicación cuenta con dos partes totalmente diferenciadas</a:t>
-            </a:r>
+              <a:t>La aplicación cuenta con dos partes totalmente diferenciadas:</a:t>
+            </a:r>
+          </a:p>
+          <a:p>
+            <a:pPr marL="0" indent="0">
+              <a:buNone/>
+            </a:pPr>
+            <a:endParaRPr lang="es-ES" sz="2800" dirty="0">
+              <a:latin typeface="Arial" panose="020B0604020202020204" pitchFamily="34" charset="0"/>
+              <a:cs typeface="Arial" panose="020B0604020202020204" pitchFamily="34" charset="0"/>
+            </a:endParaRPr>
           </a:p>
           <a:p>
             <a:pPr lvl="1"/>
@@ -9303,8 +9410,8 @@
         </p:nvSpPr>
         <p:spPr>
           <a:xfrm>
-            <a:off x="838200" y="1825625"/>
-            <a:ext cx="10515600" cy="1441358"/>
+            <a:off x="1918491" y="1971543"/>
+            <a:ext cx="4230950" cy="1441358"/>
           </a:xfrm>
         </p:spPr>
         <p:txBody>
@@ -9318,7 +9425,7 @@
                 <a:latin typeface="Arial" panose="020B0604020202020204" pitchFamily="34" charset="0"/>
                 <a:cs typeface="Arial" panose="020B0604020202020204" pitchFamily="34" charset="0"/>
               </a:rPr>
-              <a:t>Para acceder es necesario iniciar sesión con credenciales correspondientes a un empleado de este departamento.</a:t>
+              <a:t>Inicio Sesión:</a:t>
             </a:r>
           </a:p>
         </p:txBody>
@@ -9345,7 +9452,7 @@
         </p:blipFill>
         <p:spPr>
           <a:xfrm>
-            <a:off x="6149441" y="3027285"/>
+            <a:off x="5727698" y="1841723"/>
             <a:ext cx="5204359" cy="3174553"/>
           </a:xfrm>
           <a:prstGeom prst="rect">
@@ -9367,7 +9474,7 @@
         </p:nvSpPr>
         <p:spPr>
           <a:xfrm>
-            <a:off x="791754" y="3106515"/>
+            <a:off x="6297737" y="5512364"/>
             <a:ext cx="5206875" cy="830997"/>
           </a:xfrm>
           <a:prstGeom prst="rect">
@@ -9459,20 +9566,22 @@
         </p:nvSpPr>
         <p:spPr>
           <a:xfrm>
-            <a:off x="2057400" y="575200"/>
+            <a:off x="2128421" y="655099"/>
             <a:ext cx="7574280" cy="647700"/>
           </a:xfrm>
         </p:spPr>
         <p:txBody>
-          <a:bodyPr/>
+          <a:bodyPr>
+            <a:normAutofit/>
+          </a:bodyPr>
           <a:lstStyle/>
           <a:p>
             <a:r>
-              <a:rPr lang="es-ES" dirty="0">
+              <a:rPr lang="es-ES" sz="2000" dirty="0">
                 <a:latin typeface="Arial" panose="020B0604020202020204" pitchFamily="34" charset="0"/>
                 <a:cs typeface="Arial" panose="020B0604020202020204" pitchFamily="34" charset="0"/>
               </a:rPr>
-              <a:t>Cuando hemos iniciado sesión nos sale el menú principal:</a:t>
+              <a:t>El menú principal una vez iniciado sesión:</a:t>
             </a:r>
           </a:p>
         </p:txBody>
@@ -9611,21 +9720,7 @@
                 <a:latin typeface="Arial" panose="020B0604020202020204" pitchFamily="34" charset="0"/>
                 <a:cs typeface="Arial" panose="020B0604020202020204" pitchFamily="34" charset="0"/>
               </a:rPr>
-              <a:t>Si pulsamos en ‘Empleados’ podemos ver lo </a:t>
-            </a:r>
-            <a:r>
-              <a:rPr lang="es-ES" sz="2400" dirty="0" err="1">
-                <a:latin typeface="Arial" panose="020B0604020202020204" pitchFamily="34" charset="0"/>
-                <a:cs typeface="Arial" panose="020B0604020202020204" pitchFamily="34" charset="0"/>
-              </a:rPr>
-              <a:t>siguiente,una</a:t>
-            </a:r>
-            <a:r>
-              <a:rPr lang="es-ES" sz="2400" dirty="0">
-                <a:latin typeface="Arial" panose="020B0604020202020204" pitchFamily="34" charset="0"/>
-                <a:cs typeface="Arial" panose="020B0604020202020204" pitchFamily="34" charset="0"/>
-              </a:rPr>
-              <a:t> página en la que se muestran todos los empleados registrados en el sistema junto con sus datos y la empresa a la que pertenece</a:t>
+              <a:t>Si pulsamos en ‘Empleados’ vemos todos los empleados registrados en el sistema junto con sus datos y la empresa a la que pertenece</a:t>
             </a:r>
           </a:p>
         </p:txBody>
@@ -9752,7 +9847,7 @@
         </p:spPr>
         <p:txBody>
           <a:bodyPr>
-            <a:normAutofit fontScale="92500" lnSpcReduction="20000"/>
+            <a:normAutofit fontScale="92500"/>
           </a:bodyPr>
           <a:lstStyle/>
           <a:p>
@@ -9761,21 +9856,7 @@
                 <a:latin typeface="Arial" panose="020B0604020202020204" pitchFamily="34" charset="0"/>
                 <a:cs typeface="Arial" panose="020B0604020202020204" pitchFamily="34" charset="0"/>
               </a:rPr>
-              <a:t>Desde esta misma pestaña se puede eliminar un empleado concreto seleccionando este haciendo uso del </a:t>
-            </a:r>
-            <a:r>
-              <a:rPr lang="es-ES" sz="2400" dirty="0" err="1">
-                <a:latin typeface="Arial" panose="020B0604020202020204" pitchFamily="34" charset="0"/>
-                <a:cs typeface="Arial" panose="020B0604020202020204" pitchFamily="34" charset="0"/>
-              </a:rPr>
-              <a:t>checkbox</a:t>
-            </a:r>
-            <a:r>
-              <a:rPr lang="es-ES" sz="2400" dirty="0">
-                <a:latin typeface="Arial" panose="020B0604020202020204" pitchFamily="34" charset="0"/>
-                <a:cs typeface="Arial" panose="020B0604020202020204" pitchFamily="34" charset="0"/>
-              </a:rPr>
-              <a:t> a la izquierda de cada uno de ellos su correspondiente fila de la tabla y pulsando el el botón ‘Eliminar’.</a:t>
+              <a:t>Desde la pestaña Empleados se puede eliminar un empleado en concreto seleccionando el empleado que quieras eliminar y pulsando el el botón “Eliminar”.</a:t>
             </a:r>
           </a:p>
           <a:p>
@@ -9799,7 +9880,7 @@
                 <a:latin typeface="Arial" panose="020B0604020202020204" pitchFamily="34" charset="0"/>
                 <a:cs typeface="Arial" panose="020B0604020202020204" pitchFamily="34" charset="0"/>
               </a:rPr>
-              <a:t>Tras pulsar este botón se muestra un formulario de confirmación con todos los datos del usuario seleccionado donde se pueden comprobar los datos detenidamente para evitar errores.</a:t>
+              <a:t>Tras pulsar este botón se muestra un formulario de confirmación con todos los datos del usuario seleccionado donde se pueden comprobar los datos para evitar errores.</a:t>
             </a:r>
           </a:p>
           <a:p>
@@ -9963,21 +10044,7 @@
                 <a:latin typeface="Arial" panose="020B0604020202020204" pitchFamily="34" charset="0"/>
                 <a:cs typeface="Arial" panose="020B0604020202020204" pitchFamily="34" charset="0"/>
               </a:rPr>
-              <a:t>Seleccionamos el empleado que queramos editar y hacer </a:t>
-            </a:r>
-            <a:r>
-              <a:rPr lang="es-ES" sz="2800" dirty="0" err="1">
-                <a:latin typeface="Arial" panose="020B0604020202020204" pitchFamily="34" charset="0"/>
-                <a:cs typeface="Arial" panose="020B0604020202020204" pitchFamily="34" charset="0"/>
-              </a:rPr>
-              <a:t>click</a:t>
-            </a:r>
-            <a:r>
-              <a:rPr lang="es-ES" sz="2800" dirty="0">
-                <a:latin typeface="Arial" panose="020B0604020202020204" pitchFamily="34" charset="0"/>
-                <a:cs typeface="Arial" panose="020B0604020202020204" pitchFamily="34" charset="0"/>
-              </a:rPr>
-              <a:t> en el botón ‘Editar’</a:t>
+              <a:t>Seleccionamos el empleado que queramos editar y pulsamos en el botón “Editar”.</a:t>
             </a:r>
           </a:p>
         </p:txBody>
@@ -10094,7 +10161,7 @@
         <p:spPr>
           <a:xfrm>
             <a:off x="883920" y="1905000"/>
-            <a:ext cx="7109460" cy="3444241"/>
+            <a:ext cx="7109460" cy="4096305"/>
           </a:xfrm>
         </p:spPr>
         <p:txBody>
@@ -10112,12 +10179,30 @@
             </a:r>
           </a:p>
           <a:p>
+            <a:pPr marL="0" indent="0">
+              <a:buNone/>
+            </a:pPr>
+            <a:endParaRPr lang="es-ES" sz="2800" dirty="0">
+              <a:latin typeface="Arial" panose="020B0604020202020204" pitchFamily="34" charset="0"/>
+              <a:cs typeface="Arial" panose="020B0604020202020204" pitchFamily="34" charset="0"/>
+            </a:endParaRPr>
+          </a:p>
+          <a:p>
+            <a:pPr marL="0" indent="0">
+              <a:buNone/>
+            </a:pPr>
+            <a:endParaRPr lang="es-ES" sz="2800" dirty="0">
+              <a:latin typeface="Arial" panose="020B0604020202020204" pitchFamily="34" charset="0"/>
+              <a:cs typeface="Arial" panose="020B0604020202020204" pitchFamily="34" charset="0"/>
+            </a:endParaRPr>
+          </a:p>
+          <a:p>
             <a:r>
               <a:rPr lang="es-ES" sz="2800" dirty="0">
                 <a:latin typeface="Arial" panose="020B0604020202020204" pitchFamily="34" charset="0"/>
                 <a:cs typeface="Arial" panose="020B0604020202020204" pitchFamily="34" charset="0"/>
               </a:rPr>
-              <a:t>Una vez pulsado se nos redirige a un formulario en el que introducir el ID del nuevo proyecto y un desplegable con todas las opciones de empresas clientes desde el que seleccionaremos a que empresa esta asignado este nuevo proyecto.</a:t>
+              <a:t>Una vez pulsado vemos un formulario en el que introducir el ID del nuevo proyecto y un desplegable con empresas desde el que seleccionaremos a que empresa está asignado este nuevo proyecto.</a:t>
             </a:r>
           </a:p>
         </p:txBody>
@@ -10249,7 +10334,7 @@
                 <a:latin typeface="Arial" panose="020B0604020202020204" pitchFamily="34" charset="0"/>
                 <a:cs typeface="Arial" panose="020B0604020202020204" pitchFamily="34" charset="0"/>
               </a:rPr>
-              <a:t>Desde la pestaña ‘gestión de empleados’ la barra de navegación podemos tanto dar de alta como dar de baja a empleados.</a:t>
+              <a:t>Desde la pestaña “gestión de empleados” la barra de navegación podemos tanto dar de alta como dar de baja a empleados.</a:t>
             </a:r>
           </a:p>
           <a:p>
